--- a/Masud Hasan.pptx
+++ b/Masud Hasan.pptx
@@ -4647,7 +4647,7 @@
                 <a:ea typeface="+mn-ea"/>
                 <a:cs typeface="Arial" pitchFamily="34" charset="0"/>
               </a:rPr>
-              <a:t>Experience in creating end-to-end solution architectures &amp; designs for public cloud for complex scale-out products across multiple domains including aspects such as cloud connectivity &amp; networking, governance, security and enterprise IT integration.</a:t>
+              <a:t>Experience in creating end-to-end solution architectures &amp; designs for public cloud for complex applications across multiple domains including aspects such as cloud connectivity &amp; networking, governance, security and enterprise IT integration.</a:t>
             </a:r>
           </a:p>
           <a:p>
@@ -4689,7 +4689,28 @@
                 <a:ea typeface="+mn-ea"/>
                 <a:cs typeface="Arial" pitchFamily="34" charset="0"/>
               </a:rPr>
-              <a:t>Building a collaborative and transparent culture of continuous improvement, within the team and across domains, while mentoring junior team members.</a:t>
+              <a:t>Built a collaborative and transparent culture of continuous improvement, within the team and across domains, while mentoring junior team members.</a:t>
+            </a:r>
+          </a:p>
+          <a:p>
+            <a:pPr marL="171450" lvl="0" indent="-171450">
+              <a:lnSpc>
+                <a:spcPct val="93000"/>
+              </a:lnSpc>
+              <a:buSzPct val="100000"/>
+              <a:buFont typeface="Arial" panose="020B0604020202020204" pitchFamily="34" charset="0"/>
+              <a:buChar char="•"/>
+            </a:pPr>
+            <a:r>
+              <a:rPr lang="en-GB" altLang="en-US" sz="900" kern="0" dirty="0">
+                <a:solidFill>
+                  <a:schemeClr val="tx1"/>
+                </a:solidFill>
+                <a:latin typeface="+mn-lt"/>
+                <a:ea typeface="+mn-ea"/>
+                <a:cs typeface="Arial" pitchFamily="34" charset="0"/>
+              </a:rPr>
+              <a:t>Worked in a coaching / collaborative style of working environment  and provided technical leadership.</a:t>
             </a:r>
           </a:p>
           <a:p>
@@ -8578,15 +8599,6 @@
 </file>
 
 <file path=customXml/item2.xml><?xml version="1.0" encoding="utf-8"?>
-<?mso-contentType ?>
-<FormTemplates xmlns="http://schemas.microsoft.com/sharepoint/v3/contenttype/forms">
-  <Display>DocumentLibraryForm</Display>
-  <Edit>DocumentLibraryForm</Edit>
-  <New>DocumentLibraryForm</New>
-</FormTemplates>
-</file>
-
-<file path=customXml/item3.xml><?xml version="1.0" encoding="utf-8"?>
 <ct:contentTypeSchema xmlns:ct="http://schemas.microsoft.com/office/2006/metadata/contentType" xmlns:ma="http://schemas.microsoft.com/office/2006/metadata/properties/metaAttributes" ct:_="" ma:_="" ma:contentTypeName="Document" ma:contentTypeID="0x0101005BDFDDCFDA6E5F4A876F052C0D55A05A" ma:contentTypeVersion="0" ma:contentTypeDescription="Create a new document." ma:contentTypeScope="" ma:versionID="b6f7e01a498b309e13d0ec4a6a968cf7">
   <xsd:schema xmlns:xsd="http://www.w3.org/2001/XMLSchema" xmlns:xs="http://www.w3.org/2001/XMLSchema" xmlns:p="http://schemas.microsoft.com/office/2006/metadata/properties" targetNamespace="http://schemas.microsoft.com/office/2006/metadata/properties" ma:root="true" ma:fieldsID="1b05d82d297216baf5b26c55225140df">
     <xsd:element name="properties">
@@ -8700,6 +8712,15 @@
 </ct:contentTypeSchema>
 </file>
 
+<file path=customXml/item3.xml><?xml version="1.0" encoding="utf-8"?>
+<?mso-contentType ?>
+<FormTemplates xmlns="http://schemas.microsoft.com/sharepoint/v3/contenttype/forms">
+  <Display>DocumentLibraryForm</Display>
+  <Edit>DocumentLibraryForm</Edit>
+  <New>DocumentLibraryForm</New>
+</FormTemplates>
+</file>
+
 <file path=customXml/itemProps1.xml><?xml version="1.0" encoding="utf-8"?>
 <ds:datastoreItem xmlns:ds="http://schemas.openxmlformats.org/officeDocument/2006/customXml" ds:itemID="{FA49C943-1EBF-42A5-91E7-EBB6D7AB16C2}">
   <ds:schemaRefs>
@@ -8710,14 +8731,6 @@
 </file>
 
 <file path=customXml/itemProps2.xml><?xml version="1.0" encoding="utf-8"?>
-<ds:datastoreItem xmlns:ds="http://schemas.openxmlformats.org/officeDocument/2006/customXml" ds:itemID="{D461D151-59E8-46B7-810A-877A6C5BB176}">
-  <ds:schemaRefs>
-    <ds:schemaRef ds:uri="http://schemas.microsoft.com/sharepoint/v3/contenttype/forms"/>
-  </ds:schemaRefs>
-</ds:datastoreItem>
-</file>
-
-<file path=customXml/itemProps3.xml><?xml version="1.0" encoding="utf-8"?>
 <ds:datastoreItem xmlns:ds="http://schemas.openxmlformats.org/officeDocument/2006/customXml" ds:itemID="{966CFA79-E3FA-466A-B935-B88B2B7B5EBF}">
   <ds:schemaRefs>
     <ds:schemaRef ds:uri="http://schemas.microsoft.com/office/2006/metadata/contentType"/>
@@ -8731,4 +8744,12 @@
     <ds:schemaRef ds:uri="http://schemas.microsoft.com/office/infopath/2007/PartnerControls"/>
   </ds:schemaRefs>
 </ds:datastoreItem>
+</file>
+
+<file path=customXml/itemProps3.xml><?xml version="1.0" encoding="utf-8"?>
+<ds:datastoreItem xmlns:ds="http://schemas.openxmlformats.org/officeDocument/2006/customXml" ds:itemID="{D461D151-59E8-46B7-810A-877A6C5BB176}">
+  <ds:schemaRefs>
+    <ds:schemaRef ds:uri="http://schemas.microsoft.com/sharepoint/v3/contenttype/forms"/>
+  </ds:schemaRefs>
+</ds:datastoreItem>
 </file>
--- a/Masud Hasan.pptx
+++ b/Masud Hasan.pptx
@@ -4626,7 +4626,7 @@
                 <a:ea typeface="+mn-ea"/>
                 <a:cs typeface="Arial" pitchFamily="34" charset="0"/>
               </a:rPr>
-              <a:t>Experience integrating enterprise / on-premise platforms with public cloud (including connectivity aspects).</a:t>
+              <a:t>Experience in building hybrid platforms for customers.</a:t>
             </a:r>
           </a:p>
           <a:p>
@@ -4647,7 +4647,7 @@
                 <a:ea typeface="+mn-ea"/>
                 <a:cs typeface="Arial" pitchFamily="34" charset="0"/>
               </a:rPr>
-              <a:t>Experience in creating end-to-end solution architectures &amp; designs for public cloud for complex applications across multiple domains including aspects such as cloud connectivity &amp; networking, governance, security and enterprise IT integration.</a:t>
+              <a:t>Experience in creating end-to-end solution architectures &amp; designs for public cloud (both Azure &amp; AWS) for complex applications across multiple domains including aspects such as cloud connectivity &amp; networking, governance, security and enterprise IT integration.</a:t>
             </a:r>
           </a:p>
           <a:p>
@@ -4710,26 +4710,8 @@
                 <a:ea typeface="+mn-ea"/>
                 <a:cs typeface="Arial" pitchFamily="34" charset="0"/>
               </a:rPr>
-              <a:t>Worked in a coaching / collaborative style of working environment  and provided technical leadership.</a:t>
-            </a:r>
-          </a:p>
-          <a:p>
-            <a:pPr marL="171450" lvl="0" indent="-171450">
-              <a:lnSpc>
-                <a:spcPct val="93000"/>
-              </a:lnSpc>
-              <a:buSzPct val="100000"/>
-              <a:buFont typeface="Arial" panose="020B0604020202020204" pitchFamily="34" charset="0"/>
-              <a:buChar char="•"/>
-            </a:pPr>
-            <a:endParaRPr lang="en-GB" altLang="en-US" sz="900" kern="0" dirty="0">
-              <a:solidFill>
-                <a:schemeClr val="tx1"/>
-              </a:solidFill>
-              <a:latin typeface="+mn-lt"/>
-              <a:ea typeface="+mn-ea"/>
-              <a:cs typeface="Arial" pitchFamily="34" charset="0"/>
-            </a:endParaRPr>
+              <a:t>Extensive experience in application development using open-stack technologies.</a:t>
+            </a:r>
           </a:p>
           <a:p>
             <a:pPr marL="171450" lvl="0" indent="-171450">
@@ -5607,8 +5589,8 @@
         </p:nvSpPr>
         <p:spPr>
           <a:xfrm>
-            <a:off x="1775460" y="4215091"/>
-            <a:ext cx="3703321" cy="2723823"/>
+            <a:off x="1792558" y="4113222"/>
+            <a:ext cx="3703321" cy="1200329"/>
           </a:xfrm>
           <a:prstGeom prst="rect">
             <a:avLst/>
@@ -5779,596 +5761,6 @@
               </a:tabLst>
               <a:defRPr/>
             </a:pPr>
-            <a:r>
-              <a:rPr lang="nl-NL" sz="900" dirty="0"/>
-              <a:t>Microsoft Certified: Azure Solutions Architect Expert</a:t>
-            </a:r>
-            <a:endParaRPr lang="de-DE" sz="900" kern="0" dirty="0">
-              <a:cs typeface="Arial" pitchFamily="34" charset="0"/>
-            </a:endParaRPr>
-          </a:p>
-          <a:p>
-            <a:pPr marL="171450" lvl="0" indent="-171450" fontAlgn="base">
-              <a:spcBef>
-                <a:spcPct val="0"/>
-              </a:spcBef>
-              <a:spcAft>
-                <a:spcPct val="0"/>
-              </a:spcAft>
-              <a:buSzPct val="100000"/>
-              <a:buFont typeface="Arial" panose="020B0604020202020204" pitchFamily="34" charset="0"/>
-              <a:buChar char="•"/>
-              <a:tabLst>
-                <a:tab pos="0" algn="l"/>
-                <a:tab pos="457200" algn="l"/>
-                <a:tab pos="914400" algn="l"/>
-                <a:tab pos="1371600" algn="l"/>
-                <a:tab pos="1828800" algn="l"/>
-                <a:tab pos="2286000" algn="l"/>
-                <a:tab pos="2743200" algn="l"/>
-                <a:tab pos="3200400" algn="l"/>
-                <a:tab pos="3657600" algn="l"/>
-                <a:tab pos="4114800" algn="l"/>
-                <a:tab pos="4572000" algn="l"/>
-                <a:tab pos="5029200" algn="l"/>
-                <a:tab pos="5486400" algn="l"/>
-                <a:tab pos="5943600" algn="l"/>
-                <a:tab pos="6400800" algn="l"/>
-                <a:tab pos="6858000" algn="l"/>
-                <a:tab pos="7315200" algn="l"/>
-                <a:tab pos="7772400" algn="l"/>
-                <a:tab pos="8229600" algn="l"/>
-                <a:tab pos="8686800" algn="l"/>
-                <a:tab pos="9144000" algn="l"/>
-              </a:tabLst>
-              <a:defRPr/>
-            </a:pPr>
-            <a:r>
-              <a:rPr lang="nl-NL" sz="900" dirty="0"/>
-              <a:t>Microsoft Certified: DevOps Engineer Expert</a:t>
-            </a:r>
-          </a:p>
-          <a:p>
-            <a:pPr marL="171450" lvl="0" indent="-171450" fontAlgn="base">
-              <a:spcBef>
-                <a:spcPct val="0"/>
-              </a:spcBef>
-              <a:spcAft>
-                <a:spcPct val="0"/>
-              </a:spcAft>
-              <a:buSzPct val="100000"/>
-              <a:buFont typeface="Arial" panose="020B0604020202020204" pitchFamily="34" charset="0"/>
-              <a:buChar char="•"/>
-              <a:tabLst>
-                <a:tab pos="0" algn="l"/>
-                <a:tab pos="457200" algn="l"/>
-                <a:tab pos="914400" algn="l"/>
-                <a:tab pos="1371600" algn="l"/>
-                <a:tab pos="1828800" algn="l"/>
-                <a:tab pos="2286000" algn="l"/>
-                <a:tab pos="2743200" algn="l"/>
-                <a:tab pos="3200400" algn="l"/>
-                <a:tab pos="3657600" algn="l"/>
-                <a:tab pos="4114800" algn="l"/>
-                <a:tab pos="4572000" algn="l"/>
-                <a:tab pos="5029200" algn="l"/>
-                <a:tab pos="5486400" algn="l"/>
-                <a:tab pos="5943600" algn="l"/>
-                <a:tab pos="6400800" algn="l"/>
-                <a:tab pos="6858000" algn="l"/>
-                <a:tab pos="7315200" algn="l"/>
-                <a:tab pos="7772400" algn="l"/>
-                <a:tab pos="8229600" algn="l"/>
-                <a:tab pos="8686800" algn="l"/>
-                <a:tab pos="9144000" algn="l"/>
-              </a:tabLst>
-              <a:defRPr/>
-            </a:pPr>
-            <a:r>
-              <a:rPr lang="en-GB" sz="900" dirty="0"/>
-              <a:t>Microsoft Certified: Azure Network Engineer Associate</a:t>
-            </a:r>
-            <a:endParaRPr lang="nl-NL" sz="900" dirty="0"/>
-          </a:p>
-          <a:p>
-            <a:pPr marL="171450" lvl="0" indent="-171450" fontAlgn="base">
-              <a:spcBef>
-                <a:spcPct val="0"/>
-              </a:spcBef>
-              <a:spcAft>
-                <a:spcPct val="0"/>
-              </a:spcAft>
-              <a:buSzPct val="100000"/>
-              <a:buFont typeface="Arial" panose="020B0604020202020204" pitchFamily="34" charset="0"/>
-              <a:buChar char="•"/>
-              <a:tabLst>
-                <a:tab pos="0" algn="l"/>
-                <a:tab pos="457200" algn="l"/>
-                <a:tab pos="914400" algn="l"/>
-                <a:tab pos="1371600" algn="l"/>
-                <a:tab pos="1828800" algn="l"/>
-                <a:tab pos="2286000" algn="l"/>
-                <a:tab pos="2743200" algn="l"/>
-                <a:tab pos="3200400" algn="l"/>
-                <a:tab pos="3657600" algn="l"/>
-                <a:tab pos="4114800" algn="l"/>
-                <a:tab pos="4572000" algn="l"/>
-                <a:tab pos="5029200" algn="l"/>
-                <a:tab pos="5486400" algn="l"/>
-                <a:tab pos="5943600" algn="l"/>
-                <a:tab pos="6400800" algn="l"/>
-                <a:tab pos="6858000" algn="l"/>
-                <a:tab pos="7315200" algn="l"/>
-                <a:tab pos="7772400" algn="l"/>
-                <a:tab pos="8229600" algn="l"/>
-                <a:tab pos="8686800" algn="l"/>
-                <a:tab pos="9144000" algn="l"/>
-              </a:tabLst>
-              <a:defRPr/>
-            </a:pPr>
-            <a:r>
-              <a:rPr lang="en-GB" sz="900" dirty="0"/>
-              <a:t>Microsoft Certified: Azure Security Engineer Associate</a:t>
-            </a:r>
-            <a:endParaRPr lang="nl-NL" sz="900" dirty="0"/>
-          </a:p>
-          <a:p>
-            <a:pPr marL="171450" lvl="0" indent="-171450" fontAlgn="base">
-              <a:spcBef>
-                <a:spcPct val="0"/>
-              </a:spcBef>
-              <a:spcAft>
-                <a:spcPct val="0"/>
-              </a:spcAft>
-              <a:buSzPct val="100000"/>
-              <a:buFont typeface="Arial" panose="020B0604020202020204" pitchFamily="34" charset="0"/>
-              <a:buChar char="•"/>
-              <a:tabLst>
-                <a:tab pos="0" algn="l"/>
-                <a:tab pos="457200" algn="l"/>
-                <a:tab pos="914400" algn="l"/>
-                <a:tab pos="1371600" algn="l"/>
-                <a:tab pos="1828800" algn="l"/>
-                <a:tab pos="2286000" algn="l"/>
-                <a:tab pos="2743200" algn="l"/>
-                <a:tab pos="3200400" algn="l"/>
-                <a:tab pos="3657600" algn="l"/>
-                <a:tab pos="4114800" algn="l"/>
-                <a:tab pos="4572000" algn="l"/>
-                <a:tab pos="5029200" algn="l"/>
-                <a:tab pos="5486400" algn="l"/>
-                <a:tab pos="5943600" algn="l"/>
-                <a:tab pos="6400800" algn="l"/>
-                <a:tab pos="6858000" algn="l"/>
-                <a:tab pos="7315200" algn="l"/>
-                <a:tab pos="7772400" algn="l"/>
-                <a:tab pos="8229600" algn="l"/>
-                <a:tab pos="8686800" algn="l"/>
-                <a:tab pos="9144000" algn="l"/>
-              </a:tabLst>
-              <a:defRPr/>
-            </a:pPr>
-            <a:r>
-              <a:rPr lang="nl-NL" sz="900" dirty="0"/>
-              <a:t>Microsoft Certified: Azure Developer Associate</a:t>
-            </a:r>
-          </a:p>
-          <a:p>
-            <a:pPr marL="171450" lvl="0" indent="-171450" fontAlgn="base">
-              <a:spcBef>
-                <a:spcPct val="0"/>
-              </a:spcBef>
-              <a:spcAft>
-                <a:spcPct val="0"/>
-              </a:spcAft>
-              <a:buSzPct val="100000"/>
-              <a:buFont typeface="Arial" panose="020B0604020202020204" pitchFamily="34" charset="0"/>
-              <a:buChar char="•"/>
-              <a:tabLst>
-                <a:tab pos="0" algn="l"/>
-                <a:tab pos="457200" algn="l"/>
-                <a:tab pos="914400" algn="l"/>
-                <a:tab pos="1371600" algn="l"/>
-                <a:tab pos="1828800" algn="l"/>
-                <a:tab pos="2286000" algn="l"/>
-                <a:tab pos="2743200" algn="l"/>
-                <a:tab pos="3200400" algn="l"/>
-                <a:tab pos="3657600" algn="l"/>
-                <a:tab pos="4114800" algn="l"/>
-                <a:tab pos="4572000" algn="l"/>
-                <a:tab pos="5029200" algn="l"/>
-                <a:tab pos="5486400" algn="l"/>
-                <a:tab pos="5943600" algn="l"/>
-                <a:tab pos="6400800" algn="l"/>
-                <a:tab pos="6858000" algn="l"/>
-                <a:tab pos="7315200" algn="l"/>
-                <a:tab pos="7772400" algn="l"/>
-                <a:tab pos="8229600" algn="l"/>
-                <a:tab pos="8686800" algn="l"/>
-                <a:tab pos="9144000" algn="l"/>
-              </a:tabLst>
-              <a:defRPr/>
-            </a:pPr>
-            <a:r>
-              <a:rPr lang="nl-NL" sz="900" dirty="0"/>
-              <a:t>Microsoft Certified: Azure Administrator Associate</a:t>
-            </a:r>
-          </a:p>
-          <a:p>
-            <a:pPr marL="171450" lvl="0" indent="-171450" fontAlgn="base">
-              <a:spcBef>
-                <a:spcPct val="0"/>
-              </a:spcBef>
-              <a:spcAft>
-                <a:spcPct val="0"/>
-              </a:spcAft>
-              <a:buSzPct val="100000"/>
-              <a:buFont typeface="Arial" panose="020B0604020202020204" pitchFamily="34" charset="0"/>
-              <a:buChar char="•"/>
-              <a:tabLst>
-                <a:tab pos="0" algn="l"/>
-                <a:tab pos="457200" algn="l"/>
-                <a:tab pos="914400" algn="l"/>
-                <a:tab pos="1371600" algn="l"/>
-                <a:tab pos="1828800" algn="l"/>
-                <a:tab pos="2286000" algn="l"/>
-                <a:tab pos="2743200" algn="l"/>
-                <a:tab pos="3200400" algn="l"/>
-                <a:tab pos="3657600" algn="l"/>
-                <a:tab pos="4114800" algn="l"/>
-                <a:tab pos="4572000" algn="l"/>
-                <a:tab pos="5029200" algn="l"/>
-                <a:tab pos="5486400" algn="l"/>
-                <a:tab pos="5943600" algn="l"/>
-                <a:tab pos="6400800" algn="l"/>
-                <a:tab pos="6858000" algn="l"/>
-                <a:tab pos="7315200" algn="l"/>
-                <a:tab pos="7772400" algn="l"/>
-                <a:tab pos="8229600" algn="l"/>
-                <a:tab pos="8686800" algn="l"/>
-                <a:tab pos="9144000" algn="l"/>
-              </a:tabLst>
-              <a:defRPr/>
-            </a:pPr>
-            <a:r>
-              <a:rPr lang="nl-NL" sz="900" dirty="0"/>
-              <a:t>Microsoft Certified: Azure AI Engineer Associate</a:t>
-            </a:r>
-          </a:p>
-          <a:p>
-            <a:pPr marL="171450" lvl="0" indent="-171450" fontAlgn="base">
-              <a:spcBef>
-                <a:spcPct val="0"/>
-              </a:spcBef>
-              <a:spcAft>
-                <a:spcPct val="0"/>
-              </a:spcAft>
-              <a:buSzPct val="100000"/>
-              <a:buFont typeface="Arial" panose="020B0604020202020204" pitchFamily="34" charset="0"/>
-              <a:buChar char="•"/>
-              <a:tabLst>
-                <a:tab pos="0" algn="l"/>
-                <a:tab pos="457200" algn="l"/>
-                <a:tab pos="914400" algn="l"/>
-                <a:tab pos="1371600" algn="l"/>
-                <a:tab pos="1828800" algn="l"/>
-                <a:tab pos="2286000" algn="l"/>
-                <a:tab pos="2743200" algn="l"/>
-                <a:tab pos="3200400" algn="l"/>
-                <a:tab pos="3657600" algn="l"/>
-                <a:tab pos="4114800" algn="l"/>
-                <a:tab pos="4572000" algn="l"/>
-                <a:tab pos="5029200" algn="l"/>
-                <a:tab pos="5486400" algn="l"/>
-                <a:tab pos="5943600" algn="l"/>
-                <a:tab pos="6400800" algn="l"/>
-                <a:tab pos="6858000" algn="l"/>
-                <a:tab pos="7315200" algn="l"/>
-                <a:tab pos="7772400" algn="l"/>
-                <a:tab pos="8229600" algn="l"/>
-                <a:tab pos="8686800" algn="l"/>
-                <a:tab pos="9144000" algn="l"/>
-              </a:tabLst>
-              <a:defRPr/>
-            </a:pPr>
-            <a:r>
-              <a:rPr lang="nl-NL" sz="900" dirty="0"/>
-              <a:t>Microsoft Certified: Azure AI Fundamentals</a:t>
-            </a:r>
-          </a:p>
-          <a:p>
-            <a:pPr marL="171450" lvl="0" indent="-171450" fontAlgn="base">
-              <a:spcBef>
-                <a:spcPct val="0"/>
-              </a:spcBef>
-              <a:spcAft>
-                <a:spcPct val="0"/>
-              </a:spcAft>
-              <a:buSzPct val="100000"/>
-              <a:buFont typeface="Arial" panose="020B0604020202020204" pitchFamily="34" charset="0"/>
-              <a:buChar char="•"/>
-              <a:tabLst>
-                <a:tab pos="0" algn="l"/>
-                <a:tab pos="457200" algn="l"/>
-                <a:tab pos="914400" algn="l"/>
-                <a:tab pos="1371600" algn="l"/>
-                <a:tab pos="1828800" algn="l"/>
-                <a:tab pos="2286000" algn="l"/>
-                <a:tab pos="2743200" algn="l"/>
-                <a:tab pos="3200400" algn="l"/>
-                <a:tab pos="3657600" algn="l"/>
-                <a:tab pos="4114800" algn="l"/>
-                <a:tab pos="4572000" algn="l"/>
-                <a:tab pos="5029200" algn="l"/>
-                <a:tab pos="5486400" algn="l"/>
-                <a:tab pos="5943600" algn="l"/>
-                <a:tab pos="6400800" algn="l"/>
-                <a:tab pos="6858000" algn="l"/>
-                <a:tab pos="7315200" algn="l"/>
-                <a:tab pos="7772400" algn="l"/>
-                <a:tab pos="8229600" algn="l"/>
-                <a:tab pos="8686800" algn="l"/>
-                <a:tab pos="9144000" algn="l"/>
-              </a:tabLst>
-              <a:defRPr/>
-            </a:pPr>
-            <a:r>
-              <a:rPr lang="nl-NL" sz="900" dirty="0"/>
-              <a:t>Microsoft Certified: Azure Fundamentals</a:t>
-            </a:r>
-          </a:p>
-          <a:p>
-            <a:pPr marL="171450" lvl="0" indent="-171450" fontAlgn="base">
-              <a:spcBef>
-                <a:spcPct val="0"/>
-              </a:spcBef>
-              <a:spcAft>
-                <a:spcPct val="0"/>
-              </a:spcAft>
-              <a:buSzPct val="100000"/>
-              <a:buFont typeface="Arial" panose="020B0604020202020204" pitchFamily="34" charset="0"/>
-              <a:buChar char="•"/>
-              <a:tabLst>
-                <a:tab pos="0" algn="l"/>
-                <a:tab pos="457200" algn="l"/>
-                <a:tab pos="914400" algn="l"/>
-                <a:tab pos="1371600" algn="l"/>
-                <a:tab pos="1828800" algn="l"/>
-                <a:tab pos="2286000" algn="l"/>
-                <a:tab pos="2743200" algn="l"/>
-                <a:tab pos="3200400" algn="l"/>
-                <a:tab pos="3657600" algn="l"/>
-                <a:tab pos="4114800" algn="l"/>
-                <a:tab pos="4572000" algn="l"/>
-                <a:tab pos="5029200" algn="l"/>
-                <a:tab pos="5486400" algn="l"/>
-                <a:tab pos="5943600" algn="l"/>
-                <a:tab pos="6400800" algn="l"/>
-                <a:tab pos="6858000" algn="l"/>
-                <a:tab pos="7315200" algn="l"/>
-                <a:tab pos="7772400" algn="l"/>
-                <a:tab pos="8229600" algn="l"/>
-                <a:tab pos="8686800" algn="l"/>
-                <a:tab pos="9144000" algn="l"/>
-              </a:tabLst>
-              <a:defRPr/>
-            </a:pPr>
-            <a:r>
-              <a:rPr lang="en-GB" sz="900" dirty="0"/>
-              <a:t>Confluent Certified Developer for Apache Kafk</a:t>
-            </a:r>
-            <a:r>
-              <a:rPr lang="nl-NL" sz="900" dirty="0"/>
-              <a:t>a</a:t>
-            </a:r>
-          </a:p>
-          <a:p>
-            <a:pPr marL="171450" lvl="0" indent="-171450" fontAlgn="base">
-              <a:spcBef>
-                <a:spcPct val="0"/>
-              </a:spcBef>
-              <a:spcAft>
-                <a:spcPct val="0"/>
-              </a:spcAft>
-              <a:buSzPct val="100000"/>
-              <a:buFont typeface="Arial" panose="020B0604020202020204" pitchFamily="34" charset="0"/>
-              <a:buChar char="•"/>
-              <a:tabLst>
-                <a:tab pos="0" algn="l"/>
-                <a:tab pos="457200" algn="l"/>
-                <a:tab pos="914400" algn="l"/>
-                <a:tab pos="1371600" algn="l"/>
-                <a:tab pos="1828800" algn="l"/>
-                <a:tab pos="2286000" algn="l"/>
-                <a:tab pos="2743200" algn="l"/>
-                <a:tab pos="3200400" algn="l"/>
-                <a:tab pos="3657600" algn="l"/>
-                <a:tab pos="4114800" algn="l"/>
-                <a:tab pos="4572000" algn="l"/>
-                <a:tab pos="5029200" algn="l"/>
-                <a:tab pos="5486400" algn="l"/>
-                <a:tab pos="5943600" algn="l"/>
-                <a:tab pos="6400800" algn="l"/>
-                <a:tab pos="6858000" algn="l"/>
-                <a:tab pos="7315200" algn="l"/>
-                <a:tab pos="7772400" algn="l"/>
-                <a:tab pos="8229600" algn="l"/>
-                <a:tab pos="8686800" algn="l"/>
-                <a:tab pos="9144000" algn="l"/>
-              </a:tabLst>
-              <a:defRPr/>
-            </a:pPr>
-            <a:r>
-              <a:rPr lang="en-GB" sz="900" dirty="0"/>
-              <a:t>AWS Certified Solutions Architect – Associate</a:t>
-            </a:r>
-            <a:endParaRPr lang="nl-NL" sz="900" dirty="0"/>
-          </a:p>
-          <a:p>
-            <a:pPr marL="171450" lvl="0" indent="-171450" fontAlgn="base">
-              <a:spcBef>
-                <a:spcPct val="0"/>
-              </a:spcBef>
-              <a:spcAft>
-                <a:spcPct val="0"/>
-              </a:spcAft>
-              <a:buSzPct val="100000"/>
-              <a:buFont typeface="Arial" panose="020B0604020202020204" pitchFamily="34" charset="0"/>
-              <a:buChar char="•"/>
-              <a:tabLst>
-                <a:tab pos="0" algn="l"/>
-                <a:tab pos="457200" algn="l"/>
-                <a:tab pos="914400" algn="l"/>
-                <a:tab pos="1371600" algn="l"/>
-                <a:tab pos="1828800" algn="l"/>
-                <a:tab pos="2286000" algn="l"/>
-                <a:tab pos="2743200" algn="l"/>
-                <a:tab pos="3200400" algn="l"/>
-                <a:tab pos="3657600" algn="l"/>
-                <a:tab pos="4114800" algn="l"/>
-                <a:tab pos="4572000" algn="l"/>
-                <a:tab pos="5029200" algn="l"/>
-                <a:tab pos="5486400" algn="l"/>
-                <a:tab pos="5943600" algn="l"/>
-                <a:tab pos="6400800" algn="l"/>
-                <a:tab pos="6858000" algn="l"/>
-                <a:tab pos="7315200" algn="l"/>
-                <a:tab pos="7772400" algn="l"/>
-                <a:tab pos="8229600" algn="l"/>
-                <a:tab pos="8686800" algn="l"/>
-                <a:tab pos="9144000" algn="l"/>
-              </a:tabLst>
-              <a:defRPr/>
-            </a:pPr>
-            <a:r>
-              <a:rPr lang="nl-NL" sz="900" dirty="0"/>
-              <a:t>AWS Certified Developer – Associate</a:t>
-            </a:r>
-          </a:p>
-          <a:p>
-            <a:pPr marL="171450" lvl="0" indent="-171450" fontAlgn="base">
-              <a:spcBef>
-                <a:spcPct val="0"/>
-              </a:spcBef>
-              <a:spcAft>
-                <a:spcPct val="0"/>
-              </a:spcAft>
-              <a:buSzPct val="100000"/>
-              <a:buFont typeface="Arial" panose="020B0604020202020204" pitchFamily="34" charset="0"/>
-              <a:buChar char="•"/>
-              <a:tabLst>
-                <a:tab pos="0" algn="l"/>
-                <a:tab pos="457200" algn="l"/>
-                <a:tab pos="914400" algn="l"/>
-                <a:tab pos="1371600" algn="l"/>
-                <a:tab pos="1828800" algn="l"/>
-                <a:tab pos="2286000" algn="l"/>
-                <a:tab pos="2743200" algn="l"/>
-                <a:tab pos="3200400" algn="l"/>
-                <a:tab pos="3657600" algn="l"/>
-                <a:tab pos="4114800" algn="l"/>
-                <a:tab pos="4572000" algn="l"/>
-                <a:tab pos="5029200" algn="l"/>
-                <a:tab pos="5486400" algn="l"/>
-                <a:tab pos="5943600" algn="l"/>
-                <a:tab pos="6400800" algn="l"/>
-                <a:tab pos="6858000" algn="l"/>
-                <a:tab pos="7315200" algn="l"/>
-                <a:tab pos="7772400" algn="l"/>
-                <a:tab pos="8229600" algn="l"/>
-                <a:tab pos="8686800" algn="l"/>
-                <a:tab pos="9144000" algn="l"/>
-              </a:tabLst>
-              <a:defRPr/>
-            </a:pPr>
-            <a:r>
-              <a:rPr lang="nl-NL" sz="900" dirty="0"/>
-              <a:t>AWS Certified Cloud Practitioner</a:t>
-            </a:r>
-          </a:p>
-          <a:p>
-            <a:pPr marL="171450" lvl="0" indent="-171450" fontAlgn="base">
-              <a:spcBef>
-                <a:spcPct val="0"/>
-              </a:spcBef>
-              <a:spcAft>
-                <a:spcPct val="0"/>
-              </a:spcAft>
-              <a:buSzPct val="100000"/>
-              <a:buFont typeface="Arial" panose="020B0604020202020204" pitchFamily="34" charset="0"/>
-              <a:buChar char="•"/>
-              <a:tabLst>
-                <a:tab pos="0" algn="l"/>
-                <a:tab pos="457200" algn="l"/>
-                <a:tab pos="914400" algn="l"/>
-                <a:tab pos="1371600" algn="l"/>
-                <a:tab pos="1828800" algn="l"/>
-                <a:tab pos="2286000" algn="l"/>
-                <a:tab pos="2743200" algn="l"/>
-                <a:tab pos="3200400" algn="l"/>
-                <a:tab pos="3657600" algn="l"/>
-                <a:tab pos="4114800" algn="l"/>
-                <a:tab pos="4572000" algn="l"/>
-                <a:tab pos="5029200" algn="l"/>
-                <a:tab pos="5486400" algn="l"/>
-                <a:tab pos="5943600" algn="l"/>
-                <a:tab pos="6400800" algn="l"/>
-                <a:tab pos="6858000" algn="l"/>
-                <a:tab pos="7315200" algn="l"/>
-                <a:tab pos="7772400" algn="l"/>
-                <a:tab pos="8229600" algn="l"/>
-                <a:tab pos="8686800" algn="l"/>
-                <a:tab pos="9144000" algn="l"/>
-              </a:tabLst>
-              <a:defRPr/>
-            </a:pPr>
-            <a:r>
-              <a:rPr lang="nl-NL" sz="900" dirty="0"/>
-              <a:t>Certified Java SE Developer</a:t>
-            </a:r>
-          </a:p>
-          <a:p>
-            <a:pPr marL="171450" lvl="0" indent="-171450" fontAlgn="base">
-              <a:spcBef>
-                <a:spcPct val="0"/>
-              </a:spcBef>
-              <a:spcAft>
-                <a:spcPct val="0"/>
-              </a:spcAft>
-              <a:buSzPct val="100000"/>
-              <a:buFont typeface="Arial" panose="020B0604020202020204" pitchFamily="34" charset="0"/>
-              <a:buChar char="•"/>
-              <a:tabLst>
-                <a:tab pos="0" algn="l"/>
-                <a:tab pos="457200" algn="l"/>
-                <a:tab pos="914400" algn="l"/>
-                <a:tab pos="1371600" algn="l"/>
-                <a:tab pos="1828800" algn="l"/>
-                <a:tab pos="2286000" algn="l"/>
-                <a:tab pos="2743200" algn="l"/>
-                <a:tab pos="3200400" algn="l"/>
-                <a:tab pos="3657600" algn="l"/>
-                <a:tab pos="4114800" algn="l"/>
-                <a:tab pos="4572000" algn="l"/>
-                <a:tab pos="5029200" algn="l"/>
-                <a:tab pos="5486400" algn="l"/>
-                <a:tab pos="5943600" algn="l"/>
-                <a:tab pos="6400800" algn="l"/>
-                <a:tab pos="6858000" algn="l"/>
-                <a:tab pos="7315200" algn="l"/>
-                <a:tab pos="7772400" algn="l"/>
-                <a:tab pos="8229600" algn="l"/>
-                <a:tab pos="8686800" algn="l"/>
-                <a:tab pos="9144000" algn="l"/>
-              </a:tabLst>
-              <a:defRPr/>
-            </a:pPr>
-            <a:r>
-              <a:rPr lang="nl-NL" altLang="en-US" sz="900" kern="0" dirty="0">
-                <a:cs typeface="Arial" pitchFamily="34" charset="0"/>
-              </a:rPr>
-              <a:t>Certified SOA Developer</a:t>
-            </a:r>
             <a:endParaRPr lang="de-DE" altLang="en-US" sz="900" kern="0" dirty="0">
               <a:cs typeface="Arial" pitchFamily="34" charset="0"/>
             </a:endParaRPr>
@@ -6413,6 +5805,126 @@
               <a:cs typeface="Arial" pitchFamily="34" charset="0"/>
             </a:endParaRPr>
           </a:p>
+          <a:p>
+            <a:pPr marL="171450" lvl="0" indent="-171450" fontAlgn="base">
+              <a:spcBef>
+                <a:spcPct val="0"/>
+              </a:spcBef>
+              <a:spcAft>
+                <a:spcPct val="0"/>
+              </a:spcAft>
+              <a:buSzPct val="100000"/>
+              <a:buFont typeface="Arial" panose="020B0604020202020204" pitchFamily="34" charset="0"/>
+              <a:buChar char="•"/>
+              <a:tabLst>
+                <a:tab pos="0" algn="l"/>
+                <a:tab pos="457200" algn="l"/>
+                <a:tab pos="914400" algn="l"/>
+                <a:tab pos="1371600" algn="l"/>
+                <a:tab pos="1828800" algn="l"/>
+                <a:tab pos="2286000" algn="l"/>
+                <a:tab pos="2743200" algn="l"/>
+                <a:tab pos="3200400" algn="l"/>
+                <a:tab pos="3657600" algn="l"/>
+                <a:tab pos="4114800" algn="l"/>
+                <a:tab pos="4572000" algn="l"/>
+                <a:tab pos="5029200" algn="l"/>
+                <a:tab pos="5486400" algn="l"/>
+                <a:tab pos="5943600" algn="l"/>
+                <a:tab pos="6400800" algn="l"/>
+                <a:tab pos="6858000" algn="l"/>
+                <a:tab pos="7315200" algn="l"/>
+                <a:tab pos="7772400" algn="l"/>
+                <a:tab pos="8229600" algn="l"/>
+                <a:tab pos="8686800" algn="l"/>
+                <a:tab pos="9144000" algn="l"/>
+              </a:tabLst>
+              <a:defRPr/>
+            </a:pPr>
+            <a:endParaRPr lang="de-DE" altLang="en-US" sz="900" kern="0" dirty="0">
+              <a:cs typeface="Arial" pitchFamily="34" charset="0"/>
+            </a:endParaRPr>
+          </a:p>
+          <a:p>
+            <a:pPr marL="171450" lvl="0" indent="-171450" fontAlgn="base">
+              <a:spcBef>
+                <a:spcPct val="0"/>
+              </a:spcBef>
+              <a:spcAft>
+                <a:spcPct val="0"/>
+              </a:spcAft>
+              <a:buSzPct val="100000"/>
+              <a:buFont typeface="Arial" panose="020B0604020202020204" pitchFamily="34" charset="0"/>
+              <a:buChar char="•"/>
+              <a:tabLst>
+                <a:tab pos="0" algn="l"/>
+                <a:tab pos="457200" algn="l"/>
+                <a:tab pos="914400" algn="l"/>
+                <a:tab pos="1371600" algn="l"/>
+                <a:tab pos="1828800" algn="l"/>
+                <a:tab pos="2286000" algn="l"/>
+                <a:tab pos="2743200" algn="l"/>
+                <a:tab pos="3200400" algn="l"/>
+                <a:tab pos="3657600" algn="l"/>
+                <a:tab pos="4114800" algn="l"/>
+                <a:tab pos="4572000" algn="l"/>
+                <a:tab pos="5029200" algn="l"/>
+                <a:tab pos="5486400" algn="l"/>
+                <a:tab pos="5943600" algn="l"/>
+                <a:tab pos="6400800" algn="l"/>
+                <a:tab pos="6858000" algn="l"/>
+                <a:tab pos="7315200" algn="l"/>
+                <a:tab pos="7772400" algn="l"/>
+                <a:tab pos="8229600" algn="l"/>
+                <a:tab pos="8686800" algn="l"/>
+                <a:tab pos="9144000" algn="l"/>
+              </a:tabLst>
+              <a:defRPr/>
+            </a:pPr>
+            <a:endParaRPr lang="de-DE" altLang="en-US" sz="900" kern="0" dirty="0">
+              <a:cs typeface="Arial" pitchFamily="34" charset="0"/>
+            </a:endParaRPr>
+          </a:p>
+          <a:p>
+            <a:pPr marL="171450" lvl="0" indent="-171450" fontAlgn="base">
+              <a:spcBef>
+                <a:spcPct val="0"/>
+              </a:spcBef>
+              <a:spcAft>
+                <a:spcPct val="0"/>
+              </a:spcAft>
+              <a:buSzPct val="100000"/>
+              <a:buFont typeface="Arial" panose="020B0604020202020204" pitchFamily="34" charset="0"/>
+              <a:buChar char="•"/>
+              <a:tabLst>
+                <a:tab pos="0" algn="l"/>
+                <a:tab pos="457200" algn="l"/>
+                <a:tab pos="914400" algn="l"/>
+                <a:tab pos="1371600" algn="l"/>
+                <a:tab pos="1828800" algn="l"/>
+                <a:tab pos="2286000" algn="l"/>
+                <a:tab pos="2743200" algn="l"/>
+                <a:tab pos="3200400" algn="l"/>
+                <a:tab pos="3657600" algn="l"/>
+                <a:tab pos="4114800" algn="l"/>
+                <a:tab pos="4572000" algn="l"/>
+                <a:tab pos="5029200" algn="l"/>
+                <a:tab pos="5486400" algn="l"/>
+                <a:tab pos="5943600" algn="l"/>
+                <a:tab pos="6400800" algn="l"/>
+                <a:tab pos="6858000" algn="l"/>
+                <a:tab pos="7315200" algn="l"/>
+                <a:tab pos="7772400" algn="l"/>
+                <a:tab pos="8229600" algn="l"/>
+                <a:tab pos="8686800" algn="l"/>
+                <a:tab pos="9144000" algn="l"/>
+              </a:tabLst>
+              <a:defRPr/>
+            </a:pPr>
+            <a:endParaRPr lang="de-DE" altLang="en-US" sz="900" kern="0" dirty="0">
+              <a:cs typeface="Arial" pitchFamily="34" charset="0"/>
+            </a:endParaRPr>
+          </a:p>
         </p:txBody>
       </p:sp>
       <p:sp>
@@ -6430,7 +5942,7 @@
         <p:spPr>
           <a:xfrm>
             <a:off x="5577839" y="946668"/>
-            <a:ext cx="4754879" cy="865237"/>
+            <a:ext cx="4754879" cy="1122871"/>
           </a:xfrm>
           <a:prstGeom prst="rect">
             <a:avLst/>
@@ -6471,6 +5983,26 @@
                 <a:cs typeface="Arial" pitchFamily="34" charset="0"/>
               </a:rPr>
               <a:t>Java , JavaScript</a:t>
+            </a:r>
+          </a:p>
+          <a:p>
+            <a:pPr>
+              <a:lnSpc>
+                <a:spcPct val="93000"/>
+              </a:lnSpc>
+              <a:buSzPct val="100000"/>
+            </a:pPr>
+            <a:r>
+              <a:rPr lang="en-US" altLang="en-US" sz="900" b="1" kern="0" dirty="0">
+                <a:cs typeface="Arial" pitchFamily="34" charset="0"/>
+              </a:rPr>
+              <a:t>Design Skills: </a:t>
+            </a:r>
+            <a:r>
+              <a:rPr lang="en-US" altLang="en-US" sz="900" kern="0" dirty="0">
+                <a:cs typeface="Arial" pitchFamily="34" charset="0"/>
+              </a:rPr>
+              <a:t>Cloud Well Architected Framework, Cloud Adoption Framework, Design Patterns for cloud, Microservices, Application Frameworks &amp; Design patterns</a:t>
             </a:r>
           </a:p>
           <a:p>
@@ -6589,7 +6121,7 @@
         </p:nvSpPr>
         <p:spPr bwMode="auto">
           <a:xfrm>
-            <a:off x="5541601" y="1827948"/>
+            <a:off x="5541601" y="2151798"/>
             <a:ext cx="4781637" cy="238125"/>
           </a:xfrm>
           <a:prstGeom prst="rect">
@@ -6948,7 +6480,7 @@
         </p:nvSpPr>
         <p:spPr>
           <a:xfrm>
-            <a:off x="5520691" y="1841414"/>
+            <a:off x="5541600" y="1963082"/>
             <a:ext cx="4762500" cy="4300280"/>
           </a:xfrm>
           <a:prstGeom prst="rect">
@@ -7109,7 +6641,7 @@
               <a:rPr lang="en-GB" sz="900" kern="0" dirty="0">
                 <a:cs typeface="Arial" pitchFamily="34" charset="0"/>
               </a:rPr>
-              <a:t>Conducting apollo technical intake session for applications to decide migration strategy.</a:t>
+              <a:t>Closely working with AAHG and ABF to make them aware of the standards and helping them in their migration journey.</a:t>
             </a:r>
           </a:p>
           <a:p>
@@ -7125,7 +6657,7 @@
               <a:rPr lang="en-GB" sz="900" kern="0" dirty="0">
                 <a:cs typeface="Arial" pitchFamily="34" charset="0"/>
               </a:rPr>
-              <a:t>Closely working with AAHG and ABF to make them aware of the standards and helping them in their migration journey.</a:t>
+              <a:t>Supported ECM domain having target solutions using App Services , AKS , MongoDB , Cosmos DB, Azure SQL PaaS , APIM , VMs, ADF, Power BI etc.</a:t>
             </a:r>
           </a:p>
           <a:p>
@@ -7141,7 +6673,7 @@
               <a:rPr lang="en-GB" sz="900" kern="0" dirty="0">
                 <a:cs typeface="Arial" pitchFamily="34" charset="0"/>
               </a:rPr>
-              <a:t>Worked Tibco BW applications to Tibco BW Container Edition on AKS (IDV ,MCD ) and Containers on Azure App Service (NFR applications).</a:t>
+              <a:t> Supported Complex Tibco BW applications to Tibco BW Container Edition on AKS (IDV ,MCD ) and Containers on Azure App Service (NFR applications).</a:t>
             </a:r>
           </a:p>
           <a:p>
@@ -7157,7 +6689,7 @@
               <a:rPr lang="en-GB" sz="900" kern="0" dirty="0">
                 <a:cs typeface="Arial" pitchFamily="34" charset="0"/>
               </a:rPr>
-              <a:t>Worked with Credit Risk domain on their cloud migration..</a:t>
+              <a:t>Supported the Credit Risk domain on their cloud migration.</a:t>
             </a:r>
           </a:p>
           <a:p>
@@ -7170,10 +6702,10 @@
               <a:buChar char="•"/>
             </a:pPr>
             <a:r>
-              <a:rPr lang="en-GB" sz="900" kern="0" dirty="0">
+              <a:rPr lang="en-GB" altLang="en-US" sz="900" kern="0" dirty="0">
                 <a:cs typeface="Arial" pitchFamily="34" charset="0"/>
               </a:rPr>
-              <a:t>Worked in ECM domain having target solutions using App Services , AKS , MongoDB , Cosmos DB, Azure SQL PaaS , APIM , VMs, ADF, Power BI etc.</a:t>
+              <a:t>Worked closely with different teams like FDA/CADM/CISO/FSCP/FSCP Cost/Microsoft.</a:t>
             </a:r>
           </a:p>
           <a:p>
@@ -7189,23 +6721,13 @@
               <a:rPr lang="en-GB" altLang="en-US" sz="900" kern="0" dirty="0">
                 <a:cs typeface="Arial" pitchFamily="34" charset="0"/>
               </a:rPr>
-              <a:t>Worked closely with different teams like FDA/CADM/CISO/FSCP/FSCP Cost/Microsoft.</a:t>
-            </a:r>
-          </a:p>
-          <a:p>
-            <a:pPr marL="171450" indent="-171450" algn="just">
-              <a:lnSpc>
-                <a:spcPct val="93000"/>
-              </a:lnSpc>
-              <a:buSzPct val="100000"/>
-              <a:buFont typeface="Arial" panose="020B0604020202020204" pitchFamily="34" charset="0"/>
-              <a:buChar char="•"/>
-            </a:pPr>
+              <a:t>Worked</a:t>
+            </a:r>
             <a:r>
               <a:rPr lang="en-US" altLang="en-US" sz="900" kern="0" dirty="0">
                 <a:cs typeface="Arial" pitchFamily="34" charset="0"/>
               </a:rPr>
-              <a:t>Worked closely with FSCP (CET, Stratus/CGT, P-NET,C-NET, PET) , CISO (NPA Counter , I &amp; A), Risk and others.</a:t>
+              <a:t> closely with FSCP (CET, Stratus/CGT, P-NET,C-NET, PET) , CISO (NPA Counter , I &amp; A), Risk and others.</a:t>
             </a:r>
           </a:p>
           <a:p>
@@ -7295,7 +6817,7 @@
             </a:pPr>
             <a:r>
               <a:rPr lang="en-GB" sz="900" dirty="0"/>
-              <a:t>Worked as Senior Developer in IFRS program with financial risk domain.</a:t>
+              <a:t>Involved as Senior Developer in IFRS program with financial risk domain.</a:t>
             </a:r>
           </a:p>
           <a:p>
@@ -7309,7 +6831,7 @@
             </a:pPr>
             <a:r>
               <a:rPr lang="en-GB" sz="900" dirty="0"/>
-              <a:t>Worked as solution Designer / Senior Developer to develop a streaming platform top of Kafka called SMILE in IFRS program.</a:t>
+              <a:t>Supported IFRS program as solution Designer / Senior Developer to develop a streaming platform top of Kafka called SMILE.</a:t>
             </a:r>
           </a:p>
           <a:p>
@@ -7422,7 +6944,7 @@
                 </a:solidFill>
                 <a:cs typeface="Arial" pitchFamily="34" charset="0"/>
               </a:rPr>
-              <a:t>Worked as Junior architect / Senior Developer in developing streaming application for real time digital advertising in paid media channels like Facebook / Google in 70 countries in Ecommerce Domain.</a:t>
+              <a:t>Supported the client as Junior architect / Senior Developer in developing streaming application for real time digital advertising in paid media channels like Facebook / Google in 70 countries in Ecommerce Domain.</a:t>
             </a:r>
           </a:p>
           <a:p>
@@ -7462,7 +6984,7 @@
                 </a:solidFill>
                 <a:cs typeface="Arial" pitchFamily="34" charset="0"/>
               </a:rPr>
-              <a:t>Ing</a:t>
+              <a:t>Ing Bank</a:t>
             </a:r>
             <a:r>
               <a:rPr lang="en-US" altLang="en-US" sz="900" b="1" u="sng" kern="0" dirty="0">
@@ -7526,7 +7048,7 @@
                 </a:solidFill>
                 <a:cs typeface="Arial" pitchFamily="34" charset="0"/>
               </a:rPr>
-              <a:t>Worked as DevOps engineer interest rate calculation project for business lenders. </a:t>
+              <a:t> DevOps engineer in interest rate calculation project for business lenders. </a:t>
             </a:r>
           </a:p>
         </p:txBody>
@@ -7559,7 +7081,7 @@
         </p:blipFill>
         <p:spPr>
           <a:xfrm>
-            <a:off x="1755774" y="0"/>
+            <a:off x="1762124" y="0"/>
             <a:ext cx="806767" cy="665590"/>
           </a:xfrm>
           <a:prstGeom prst="rect">
@@ -7569,10 +7091,10 @@
       </p:pic>
       <p:pic>
         <p:nvPicPr>
-          <p:cNvPr id="20" name="Picture 19" descr="A picture containing text, sign, blue&#10;&#10;Description automatically generated">
+          <p:cNvPr id="51" name="Picture 50" descr="A picture containing text, sign, blue&#10;&#10;Description automatically generated">
             <a:extLst>
               <a:ext uri="{FF2B5EF4-FFF2-40B4-BE49-F238E27FC236}">
-                <a16:creationId xmlns:a16="http://schemas.microsoft.com/office/drawing/2014/main" id="{3916BE98-6F1C-9C7C-2D10-974A8FEA3620}"/>
+                <a16:creationId xmlns:a16="http://schemas.microsoft.com/office/drawing/2014/main" id="{DD328C14-4553-0555-13EB-001A61531427}"/>
               </a:ext>
             </a:extLst>
           </p:cNvPr>
@@ -7595,8 +7117,8 @@
         </p:blipFill>
         <p:spPr>
           <a:xfrm>
-            <a:off x="4354341" y="-6003"/>
-            <a:ext cx="599170" cy="671255"/>
+            <a:off x="1887900" y="4722473"/>
+            <a:ext cx="719704" cy="719704"/>
           </a:xfrm>
           <a:prstGeom prst="rect">
             <a:avLst/>
@@ -7605,10 +7127,10 @@
       </p:pic>
       <p:pic>
         <p:nvPicPr>
-          <p:cNvPr id="22" name="Picture 21" descr="A picture containing text, sign, blue&#10;&#10;Description automatically generated">
+          <p:cNvPr id="54" name="Picture 53" descr="A picture containing text, sign, blue&#10;&#10;Description automatically generated">
             <a:extLst>
               <a:ext uri="{FF2B5EF4-FFF2-40B4-BE49-F238E27FC236}">
-                <a16:creationId xmlns:a16="http://schemas.microsoft.com/office/drawing/2014/main" id="{075604E0-3D07-4CD3-A3E2-83EE8630FE43}"/>
+                <a16:creationId xmlns:a16="http://schemas.microsoft.com/office/drawing/2014/main" id="{24A68AD0-42A6-E019-CB72-D6B5A9DED154}"/>
               </a:ext>
             </a:extLst>
           </p:cNvPr>
@@ -7631,8 +7153,8 @@
         </p:blipFill>
         <p:spPr>
           <a:xfrm>
-            <a:off x="4926246" y="-4514"/>
-            <a:ext cx="593321" cy="676117"/>
+            <a:off x="2569596" y="4720451"/>
+            <a:ext cx="719704" cy="719704"/>
           </a:xfrm>
           <a:prstGeom prst="rect">
             <a:avLst/>
@@ -7641,10 +7163,10 @@
       </p:pic>
       <p:pic>
         <p:nvPicPr>
-          <p:cNvPr id="28" name="Picture 27" descr="A picture containing text, sign, blue&#10;&#10;Description automatically generated">
+          <p:cNvPr id="56" name="Picture 55" descr="A picture containing text, sign, blue&#10;&#10;Description automatically generated">
             <a:extLst>
               <a:ext uri="{FF2B5EF4-FFF2-40B4-BE49-F238E27FC236}">
-                <a16:creationId xmlns:a16="http://schemas.microsoft.com/office/drawing/2014/main" id="{AC55DF40-683E-C344-C071-A3C649D136B6}"/>
+                <a16:creationId xmlns:a16="http://schemas.microsoft.com/office/drawing/2014/main" id="{E72C9039-81FE-6904-B324-4A4063382221}"/>
               </a:ext>
             </a:extLst>
           </p:cNvPr>
@@ -7667,8 +7189,8 @@
         </p:blipFill>
         <p:spPr>
           <a:xfrm>
-            <a:off x="5492308" y="-30228"/>
-            <a:ext cx="568855" cy="695480"/>
+            <a:off x="3249046" y="4720451"/>
+            <a:ext cx="719704" cy="719704"/>
           </a:xfrm>
           <a:prstGeom prst="rect">
             <a:avLst/>
@@ -7677,10 +7199,10 @@
       </p:pic>
       <p:pic>
         <p:nvPicPr>
-          <p:cNvPr id="34" name="Picture 33" descr="A picture containing text, sign, blue&#10;&#10;Description automatically generated">
+          <p:cNvPr id="58" name="Picture 57" descr="A picture containing text, sign, blue&#10;&#10;Description automatically generated">
             <a:extLst>
               <a:ext uri="{FF2B5EF4-FFF2-40B4-BE49-F238E27FC236}">
-                <a16:creationId xmlns:a16="http://schemas.microsoft.com/office/drawing/2014/main" id="{CB4C86C1-DCFB-30F3-3F03-9D3FE501814C}"/>
+                <a16:creationId xmlns:a16="http://schemas.microsoft.com/office/drawing/2014/main" id="{4528028F-0B6B-B7DE-9AA8-3A43CCF4EEF6}"/>
               </a:ext>
             </a:extLst>
           </p:cNvPr>
@@ -7703,8 +7225,8 @@
         </p:blipFill>
         <p:spPr>
           <a:xfrm>
-            <a:off x="6032234" y="-30228"/>
-            <a:ext cx="607432" cy="719704"/>
+            <a:off x="3930650" y="4720450"/>
+            <a:ext cx="719704" cy="719705"/>
           </a:xfrm>
           <a:prstGeom prst="rect">
             <a:avLst/>
@@ -7713,10 +7235,10 @@
       </p:pic>
       <p:pic>
         <p:nvPicPr>
-          <p:cNvPr id="36" name="Picture 35" descr="A picture containing text, sign, blue&#10;&#10;Description automatically generated">
+          <p:cNvPr id="60" name="Picture 59" descr="A picture containing text, sign, blue&#10;&#10;Description automatically generated">
             <a:extLst>
               <a:ext uri="{FF2B5EF4-FFF2-40B4-BE49-F238E27FC236}">
-                <a16:creationId xmlns:a16="http://schemas.microsoft.com/office/drawing/2014/main" id="{71ABC800-2694-15E9-0C4E-B9217687AA6E}"/>
+                <a16:creationId xmlns:a16="http://schemas.microsoft.com/office/drawing/2014/main" id="{B584B178-93CB-2298-4B76-F90082C85C0E}"/>
               </a:ext>
             </a:extLst>
           </p:cNvPr>
@@ -7739,8 +7261,8 @@
         </p:blipFill>
         <p:spPr>
           <a:xfrm>
-            <a:off x="6615706" y="-30618"/>
-            <a:ext cx="607431" cy="719704"/>
+            <a:off x="4610100" y="4720449"/>
+            <a:ext cx="719704" cy="719704"/>
           </a:xfrm>
           <a:prstGeom prst="rect">
             <a:avLst/>
@@ -7749,10 +7271,10 @@
       </p:pic>
       <p:pic>
         <p:nvPicPr>
-          <p:cNvPr id="38" name="Picture 37" descr="A picture containing text, sign, blue&#10;&#10;Description automatically generated">
+          <p:cNvPr id="62" name="Picture 61" descr="A picture containing text, sign, blue&#10;&#10;Description automatically generated">
             <a:extLst>
               <a:ext uri="{FF2B5EF4-FFF2-40B4-BE49-F238E27FC236}">
-                <a16:creationId xmlns:a16="http://schemas.microsoft.com/office/drawing/2014/main" id="{F29202E7-CCB6-D6FD-03DB-58ED8018FF75}"/>
+                <a16:creationId xmlns:a16="http://schemas.microsoft.com/office/drawing/2014/main" id="{A3428ABA-4507-4E3D-92D2-6A2AFA4ACB60}"/>
               </a:ext>
             </a:extLst>
           </p:cNvPr>
@@ -7775,8 +7297,8 @@
         </p:blipFill>
         <p:spPr>
           <a:xfrm>
-            <a:off x="7190479" y="-39297"/>
-            <a:ext cx="574751" cy="719704"/>
+            <a:off x="1862500" y="5480990"/>
+            <a:ext cx="719704" cy="719704"/>
           </a:xfrm>
           <a:prstGeom prst="rect">
             <a:avLst/>
@@ -7785,10 +7307,10 @@
       </p:pic>
       <p:pic>
         <p:nvPicPr>
-          <p:cNvPr id="40" name="Picture 39" descr="A picture containing text, sign, blue&#10;&#10;Description automatically generated">
+          <p:cNvPr id="1024" name="Picture 1023" descr="A picture containing text, sign, blue&#10;&#10;Description automatically generated">
             <a:extLst>
               <a:ext uri="{FF2B5EF4-FFF2-40B4-BE49-F238E27FC236}">
-                <a16:creationId xmlns:a16="http://schemas.microsoft.com/office/drawing/2014/main" id="{250372F8-526F-7FD4-F6F7-227B1FCE88A2}"/>
+                <a16:creationId xmlns:a16="http://schemas.microsoft.com/office/drawing/2014/main" id="{C4C8A6D0-F7C3-D26D-EC27-E633AC744C03}"/>
               </a:ext>
             </a:extLst>
           </p:cNvPr>
@@ -7811,8 +7333,8 @@
         </p:blipFill>
         <p:spPr>
           <a:xfrm>
-            <a:off x="8284984" y="-21646"/>
-            <a:ext cx="622057" cy="683761"/>
+            <a:off x="2547233" y="5468964"/>
+            <a:ext cx="719704" cy="719704"/>
           </a:xfrm>
           <a:prstGeom prst="rect">
             <a:avLst/>
@@ -7821,10 +7343,10 @@
       </p:pic>
       <p:pic>
         <p:nvPicPr>
-          <p:cNvPr id="42" name="Picture 41" descr="A picture containing text, sign, outdoor&#10;&#10;Description automatically generated">
+          <p:cNvPr id="1026" name="Picture 1025" descr="A picture containing text, sign, blue&#10;&#10;Description automatically generated">
             <a:extLst>
               <a:ext uri="{FF2B5EF4-FFF2-40B4-BE49-F238E27FC236}">
-                <a16:creationId xmlns:a16="http://schemas.microsoft.com/office/drawing/2014/main" id="{B003613C-607F-6C8C-89CC-8E1FEDBA0226}"/>
+                <a16:creationId xmlns:a16="http://schemas.microsoft.com/office/drawing/2014/main" id="{14630988-436B-2E1C-AA40-FE5592C7CDFD}"/>
               </a:ext>
             </a:extLst>
           </p:cNvPr>
@@ -7847,8 +7369,8 @@
         </p:blipFill>
         <p:spPr>
           <a:xfrm>
-            <a:off x="8885494" y="-23046"/>
-            <a:ext cx="607431" cy="719704"/>
+            <a:off x="3231966" y="5456938"/>
+            <a:ext cx="719704" cy="719704"/>
           </a:xfrm>
           <a:prstGeom prst="rect">
             <a:avLst/>
@@ -7857,10 +7379,10 @@
       </p:pic>
       <p:pic>
         <p:nvPicPr>
-          <p:cNvPr id="44" name="Picture 43" descr="A blue sign with white text&#10;&#10;Description automatically generated with low confidence">
+          <p:cNvPr id="1028" name="Picture 1027" descr="A picture containing text, sign, outdoor&#10;&#10;Description automatically generated">
             <a:extLst>
               <a:ext uri="{FF2B5EF4-FFF2-40B4-BE49-F238E27FC236}">
-                <a16:creationId xmlns:a16="http://schemas.microsoft.com/office/drawing/2014/main" id="{A52186F7-92FF-8283-1D08-7BBF0F27B689}"/>
+                <a16:creationId xmlns:a16="http://schemas.microsoft.com/office/drawing/2014/main" id="{86E23CCF-2C94-7AE4-8477-8596F43A0DD5}"/>
               </a:ext>
             </a:extLst>
           </p:cNvPr>
@@ -7883,8 +7405,8 @@
         </p:blipFill>
         <p:spPr>
           <a:xfrm>
-            <a:off x="9428844" y="2235"/>
-            <a:ext cx="622056" cy="671511"/>
+            <a:off x="3911600" y="5456936"/>
+            <a:ext cx="719704" cy="719704"/>
           </a:xfrm>
           <a:prstGeom prst="rect">
             <a:avLst/>
@@ -7893,10 +7415,10 @@
       </p:pic>
       <p:pic>
         <p:nvPicPr>
-          <p:cNvPr id="46" name="Picture 45" descr="A picture containing text, sign, outdoor&#10;&#10;Description automatically generated">
+          <p:cNvPr id="1030" name="Picture 1029" descr="A picture containing text, sign&#10;&#10;Description automatically generated">
             <a:extLst>
               <a:ext uri="{FF2B5EF4-FFF2-40B4-BE49-F238E27FC236}">
-                <a16:creationId xmlns:a16="http://schemas.microsoft.com/office/drawing/2014/main" id="{EDD80961-3110-E983-FBEE-42B4D577B496}"/>
+                <a16:creationId xmlns:a16="http://schemas.microsoft.com/office/drawing/2014/main" id="{33597D2C-7A68-3702-DCC1-C6025D23F5A3}"/>
               </a:ext>
             </a:extLst>
           </p:cNvPr>
@@ -7919,8 +7441,8 @@
         </p:blipFill>
         <p:spPr>
           <a:xfrm>
-            <a:off x="9959793" y="6475"/>
-            <a:ext cx="579919" cy="650068"/>
+            <a:off x="4591953" y="5462614"/>
+            <a:ext cx="719704" cy="719704"/>
           </a:xfrm>
           <a:prstGeom prst="rect">
             <a:avLst/>
@@ -7929,10 +7451,10 @@
       </p:pic>
       <p:pic>
         <p:nvPicPr>
-          <p:cNvPr id="48" name="Picture 47" descr="A picture containing text, sign, businesscard&#10;&#10;Description automatically generated">
+          <p:cNvPr id="1032" name="Picture 1031" descr="A blue sign with white text&#10;&#10;Description automatically generated with low confidence">
             <a:extLst>
               <a:ext uri="{FF2B5EF4-FFF2-40B4-BE49-F238E27FC236}">
-                <a16:creationId xmlns:a16="http://schemas.microsoft.com/office/drawing/2014/main" id="{216C69D8-C68A-4F61-780B-445FA99AECAA}"/>
+                <a16:creationId xmlns:a16="http://schemas.microsoft.com/office/drawing/2014/main" id="{CFB57EBF-373D-6D3E-0F22-DD1E6BA150BB}"/>
               </a:ext>
             </a:extLst>
           </p:cNvPr>
@@ -7955,8 +7477,8 @@
         </p:blipFill>
         <p:spPr>
           <a:xfrm>
-            <a:off x="10441576" y="-8974"/>
-            <a:ext cx="607253" cy="689870"/>
+            <a:off x="1834501" y="6225262"/>
+            <a:ext cx="806767" cy="594638"/>
           </a:xfrm>
           <a:prstGeom prst="rect">
             <a:avLst/>
@@ -7965,10 +7487,10 @@
       </p:pic>
       <p:pic>
         <p:nvPicPr>
-          <p:cNvPr id="50" name="Picture 49" descr="A picture containing text, sign, blue&#10;&#10;Description automatically generated">
+          <p:cNvPr id="1034" name="Picture 1033" descr="A picture containing text, sign, outdoor&#10;&#10;Description automatically generated">
             <a:extLst>
               <a:ext uri="{FF2B5EF4-FFF2-40B4-BE49-F238E27FC236}">
-                <a16:creationId xmlns:a16="http://schemas.microsoft.com/office/drawing/2014/main" id="{0B573586-9CBD-30AA-7BAA-4EB966E7A0C6}"/>
+                <a16:creationId xmlns:a16="http://schemas.microsoft.com/office/drawing/2014/main" id="{525B9476-3FD7-70EF-3C10-84F441F159CC}"/>
               </a:ext>
             </a:extLst>
           </p:cNvPr>
@@ -7991,8 +7513,8 @@
         </p:blipFill>
         <p:spPr>
           <a:xfrm>
-            <a:off x="7746123" y="-5771"/>
-            <a:ext cx="569920" cy="676036"/>
+            <a:off x="2521833" y="6231612"/>
+            <a:ext cx="745103" cy="573683"/>
           </a:xfrm>
           <a:prstGeom prst="rect">
             <a:avLst/>
@@ -8001,10 +7523,10 @@
       </p:pic>
       <p:pic>
         <p:nvPicPr>
-          <p:cNvPr id="52" name="Picture 51" descr="A picture containing text, sign&#10;&#10;Description automatically generated">
+          <p:cNvPr id="1036" name="Picture 1035" descr="A picture containing text, sign, businesscard&#10;&#10;Description automatically generated">
             <a:extLst>
               <a:ext uri="{FF2B5EF4-FFF2-40B4-BE49-F238E27FC236}">
-                <a16:creationId xmlns:a16="http://schemas.microsoft.com/office/drawing/2014/main" id="{71F40B82-32D2-A0E2-5119-C5C0AD563153}"/>
+                <a16:creationId xmlns:a16="http://schemas.microsoft.com/office/drawing/2014/main" id="{D1C434DB-46E9-4EF8-6336-D9629C9554D9}"/>
               </a:ext>
             </a:extLst>
           </p:cNvPr>
@@ -8027,8 +7549,44 @@
         </p:blipFill>
         <p:spPr>
           <a:xfrm>
-            <a:off x="11014097" y="26627"/>
-            <a:ext cx="644200" cy="621074"/>
+            <a:off x="3144435" y="6207057"/>
+            <a:ext cx="807235" cy="622791"/>
+          </a:xfrm>
+          <a:prstGeom prst="rect">
+            <a:avLst/>
+          </a:prstGeom>
+        </p:spPr>
+      </p:pic>
+      <p:pic>
+        <p:nvPicPr>
+          <p:cNvPr id="1038" name="Picture 1037" descr="A picture containing text, sign&#10;&#10;Description automatically generated">
+            <a:extLst>
+              <a:ext uri="{FF2B5EF4-FFF2-40B4-BE49-F238E27FC236}">
+                <a16:creationId xmlns:a16="http://schemas.microsoft.com/office/drawing/2014/main" id="{0926D520-ABB0-B6FE-5E39-BB8C9ADB62B6}"/>
+              </a:ext>
+            </a:extLst>
+          </p:cNvPr>
+          <p:cNvPicPr>
+            <a:picLocks noChangeAspect="1"/>
+          </p:cNvPicPr>
+          <p:nvPr/>
+        </p:nvPicPr>
+        <p:blipFill>
+          <a:blip r:embed="rId18" cstate="print">
+            <a:extLst>
+              <a:ext uri="{28A0092B-C50C-407E-A947-70E740481C1C}">
+                <a14:useLocalDpi xmlns:a14="http://schemas.microsoft.com/office/drawing/2010/main" val="0"/>
+              </a:ext>
+            </a:extLst>
+          </a:blip>
+          <a:stretch>
+            <a:fillRect/>
+          </a:stretch>
+        </p:blipFill>
+        <p:spPr>
+          <a:xfrm>
+            <a:off x="3951671" y="6212734"/>
+            <a:ext cx="734630" cy="620714"/>
           </a:xfrm>
           <a:prstGeom prst="rect">
             <a:avLst/>
@@ -8599,6 +8157,15 @@
 </file>
 
 <file path=customXml/item2.xml><?xml version="1.0" encoding="utf-8"?>
+<?mso-contentType ?>
+<FormTemplates xmlns="http://schemas.microsoft.com/sharepoint/v3/contenttype/forms">
+  <Display>DocumentLibraryForm</Display>
+  <Edit>DocumentLibraryForm</Edit>
+  <New>DocumentLibraryForm</New>
+</FormTemplates>
+</file>
+
+<file path=customXml/item3.xml><?xml version="1.0" encoding="utf-8"?>
 <ct:contentTypeSchema xmlns:ct="http://schemas.microsoft.com/office/2006/metadata/contentType" xmlns:ma="http://schemas.microsoft.com/office/2006/metadata/properties/metaAttributes" ct:_="" ma:_="" ma:contentTypeName="Document" ma:contentTypeID="0x0101005BDFDDCFDA6E5F4A876F052C0D55A05A" ma:contentTypeVersion="0" ma:contentTypeDescription="Create a new document." ma:contentTypeScope="" ma:versionID="b6f7e01a498b309e13d0ec4a6a968cf7">
   <xsd:schema xmlns:xsd="http://www.w3.org/2001/XMLSchema" xmlns:xs="http://www.w3.org/2001/XMLSchema" xmlns:p="http://schemas.microsoft.com/office/2006/metadata/properties" targetNamespace="http://schemas.microsoft.com/office/2006/metadata/properties" ma:root="true" ma:fieldsID="1b05d82d297216baf5b26c55225140df">
     <xsd:element name="properties">
@@ -8712,15 +8279,6 @@
 </ct:contentTypeSchema>
 </file>
 
-<file path=customXml/item3.xml><?xml version="1.0" encoding="utf-8"?>
-<?mso-contentType ?>
-<FormTemplates xmlns="http://schemas.microsoft.com/sharepoint/v3/contenttype/forms">
-  <Display>DocumentLibraryForm</Display>
-  <Edit>DocumentLibraryForm</Edit>
-  <New>DocumentLibraryForm</New>
-</FormTemplates>
-</file>
-
 <file path=customXml/itemProps1.xml><?xml version="1.0" encoding="utf-8"?>
 <ds:datastoreItem xmlns:ds="http://schemas.openxmlformats.org/officeDocument/2006/customXml" ds:itemID="{FA49C943-1EBF-42A5-91E7-EBB6D7AB16C2}">
   <ds:schemaRefs>
@@ -8731,6 +8289,14 @@
 </file>
 
 <file path=customXml/itemProps2.xml><?xml version="1.0" encoding="utf-8"?>
+<ds:datastoreItem xmlns:ds="http://schemas.openxmlformats.org/officeDocument/2006/customXml" ds:itemID="{D461D151-59E8-46B7-810A-877A6C5BB176}">
+  <ds:schemaRefs>
+    <ds:schemaRef ds:uri="http://schemas.microsoft.com/sharepoint/v3/contenttype/forms"/>
+  </ds:schemaRefs>
+</ds:datastoreItem>
+</file>
+
+<file path=customXml/itemProps3.xml><?xml version="1.0" encoding="utf-8"?>
 <ds:datastoreItem xmlns:ds="http://schemas.openxmlformats.org/officeDocument/2006/customXml" ds:itemID="{966CFA79-E3FA-466A-B935-B88B2B7B5EBF}">
   <ds:schemaRefs>
     <ds:schemaRef ds:uri="http://schemas.microsoft.com/office/2006/metadata/contentType"/>
@@ -8744,12 +8310,4 @@
     <ds:schemaRef ds:uri="http://schemas.microsoft.com/office/infopath/2007/PartnerControls"/>
   </ds:schemaRefs>
 </ds:datastoreItem>
-</file>
-
-<file path=customXml/itemProps3.xml><?xml version="1.0" encoding="utf-8"?>
-<ds:datastoreItem xmlns:ds="http://schemas.openxmlformats.org/officeDocument/2006/customXml" ds:itemID="{D461D151-59E8-46B7-810A-877A6C5BB176}">
-  <ds:schemaRefs>
-    <ds:schemaRef ds:uri="http://schemas.microsoft.com/sharepoint/v3/contenttype/forms"/>
-  </ds:schemaRefs>
-</ds:datastoreItem>
 </file>